--- a/Leçons/diapo/LP24.pptx
+++ b/Leçons/diapo/LP24.pptx
@@ -4018,15 +4018,7 @@
                   <a:srgbClr val="0070C0"/>
                 </a:solidFill>
               </a:rPr>
-              <a:t>  </a:t>
-            </a:r>
-            <a:r>
-              <a:rPr lang="fr-FR" sz="3600" b="1" dirty="0" smtClean="0">
-                <a:solidFill>
-                  <a:srgbClr val="0070C0"/>
-                </a:solidFill>
-              </a:rPr>
-              <a:t>Un montre qui ne retarde jamais</a:t>
+              <a:t>  Une montre qui ne retarde jamais</a:t>
             </a:r>
             <a:endParaRPr lang="fr-FR" sz="3600" dirty="0">
               <a:solidFill>
@@ -4154,6 +4146,13 @@
           <a:prstGeom prst="rect">
             <a:avLst/>
           </a:prstGeom>
+          <a:effectLst>
+            <a:outerShdw blurRad="50800" dist="38100" dir="2700000" algn="tl" rotWithShape="0">
+              <a:prstClr val="black">
+                <a:alpha val="40000"/>
+              </a:prstClr>
+            </a:outerShdw>
+          </a:effectLst>
         </p:spPr>
       </p:pic>
     </p:spTree>
@@ -4240,15 +4239,7 @@
                   <a:srgbClr val="0070C0"/>
                 </a:solidFill>
               </a:rPr>
-              <a:t>  </a:t>
-            </a:r>
-            <a:r>
-              <a:rPr lang="fr-FR" sz="3600" b="1" dirty="0" smtClean="0">
-                <a:solidFill>
-                  <a:srgbClr val="0070C0"/>
-                </a:solidFill>
-              </a:rPr>
-              <a:t>Réponse d’une cavité optique</a:t>
+              <a:t>  Réponse d’une cavité optique</a:t>
             </a:r>
             <a:endParaRPr lang="fr-FR" sz="3600" dirty="0">
               <a:solidFill>
@@ -4448,15 +4439,7 @@
                   <a:srgbClr val="0070C0"/>
                 </a:solidFill>
               </a:rPr>
-              <a:t>  </a:t>
-            </a:r>
-            <a:r>
-              <a:rPr lang="fr-FR" sz="3600" b="1" dirty="0" smtClean="0">
-                <a:solidFill>
-                  <a:srgbClr val="0070C0"/>
-                </a:solidFill>
-              </a:rPr>
-              <a:t>Les détecteurs LIGO et </a:t>
+              <a:t>  Les détecteurs LIGO et </a:t>
             </a:r>
             <a:r>
               <a:rPr lang="fr-FR" sz="3600" b="1" dirty="0" err="1" smtClean="0">

--- a/Leçons/diapo/LP24.pptx
+++ b/Leçons/diapo/LP24.pptx
@@ -248,7 +248,7 @@
           <a:p>
             <a:fld id="{C262451B-073C-4FAC-8D0B-6648421A7945}" type="datetimeFigureOut">
               <a:rPr lang="fr-FR" smtClean="0"/>
-              <a:t>22/04/2020</a:t>
+              <a:t>19/05/2020</a:t>
             </a:fld>
             <a:endParaRPr lang="fr-FR"/>
           </a:p>
@@ -418,7 +418,7 @@
           <a:p>
             <a:fld id="{C262451B-073C-4FAC-8D0B-6648421A7945}" type="datetimeFigureOut">
               <a:rPr lang="fr-FR" smtClean="0"/>
-              <a:t>22/04/2020</a:t>
+              <a:t>19/05/2020</a:t>
             </a:fld>
             <a:endParaRPr lang="fr-FR"/>
           </a:p>
@@ -598,7 +598,7 @@
           <a:p>
             <a:fld id="{C262451B-073C-4FAC-8D0B-6648421A7945}" type="datetimeFigureOut">
               <a:rPr lang="fr-FR" smtClean="0"/>
-              <a:t>22/04/2020</a:t>
+              <a:t>19/05/2020</a:t>
             </a:fld>
             <a:endParaRPr lang="fr-FR"/>
           </a:p>
@@ -768,7 +768,7 @@
           <a:p>
             <a:fld id="{C262451B-073C-4FAC-8D0B-6648421A7945}" type="datetimeFigureOut">
               <a:rPr lang="fr-FR" smtClean="0"/>
-              <a:t>22/04/2020</a:t>
+              <a:t>19/05/2020</a:t>
             </a:fld>
             <a:endParaRPr lang="fr-FR"/>
           </a:p>
@@ -1014,7 +1014,7 @@
           <a:p>
             <a:fld id="{C262451B-073C-4FAC-8D0B-6648421A7945}" type="datetimeFigureOut">
               <a:rPr lang="fr-FR" smtClean="0"/>
-              <a:t>22/04/2020</a:t>
+              <a:t>19/05/2020</a:t>
             </a:fld>
             <a:endParaRPr lang="fr-FR"/>
           </a:p>
@@ -1246,7 +1246,7 @@
           <a:p>
             <a:fld id="{C262451B-073C-4FAC-8D0B-6648421A7945}" type="datetimeFigureOut">
               <a:rPr lang="fr-FR" smtClean="0"/>
-              <a:t>22/04/2020</a:t>
+              <a:t>19/05/2020</a:t>
             </a:fld>
             <a:endParaRPr lang="fr-FR"/>
           </a:p>
@@ -1613,7 +1613,7 @@
           <a:p>
             <a:fld id="{C262451B-073C-4FAC-8D0B-6648421A7945}" type="datetimeFigureOut">
               <a:rPr lang="fr-FR" smtClean="0"/>
-              <a:t>22/04/2020</a:t>
+              <a:t>19/05/2020</a:t>
             </a:fld>
             <a:endParaRPr lang="fr-FR"/>
           </a:p>
@@ -1731,7 +1731,7 @@
           <a:p>
             <a:fld id="{C262451B-073C-4FAC-8D0B-6648421A7945}" type="datetimeFigureOut">
               <a:rPr lang="fr-FR" smtClean="0"/>
-              <a:t>22/04/2020</a:t>
+              <a:t>19/05/2020</a:t>
             </a:fld>
             <a:endParaRPr lang="fr-FR"/>
           </a:p>
@@ -1826,7 +1826,7 @@
           <a:p>
             <a:fld id="{C262451B-073C-4FAC-8D0B-6648421A7945}" type="datetimeFigureOut">
               <a:rPr lang="fr-FR" smtClean="0"/>
-              <a:t>22/04/2020</a:t>
+              <a:t>19/05/2020</a:t>
             </a:fld>
             <a:endParaRPr lang="fr-FR"/>
           </a:p>
@@ -2103,7 +2103,7 @@
           <a:p>
             <a:fld id="{C262451B-073C-4FAC-8D0B-6648421A7945}" type="datetimeFigureOut">
               <a:rPr lang="fr-FR" smtClean="0"/>
-              <a:t>22/04/2020</a:t>
+              <a:t>19/05/2020</a:t>
             </a:fld>
             <a:endParaRPr lang="fr-FR"/>
           </a:p>
@@ -2356,7 +2356,7 @@
           <a:p>
             <a:fld id="{C262451B-073C-4FAC-8D0B-6648421A7945}" type="datetimeFigureOut">
               <a:rPr lang="fr-FR" smtClean="0"/>
-              <a:t>22/04/2020</a:t>
+              <a:t>19/05/2020</a:t>
             </a:fld>
             <a:endParaRPr lang="fr-FR"/>
           </a:p>
@@ -2569,7 +2569,7 @@
           <a:p>
             <a:fld id="{C262451B-073C-4FAC-8D0B-6648421A7945}" type="datetimeFigureOut">
               <a:rPr lang="fr-FR" smtClean="0"/>
-              <a:t>22/04/2020</a:t>
+              <a:t>19/05/2020</a:t>
             </a:fld>
             <a:endParaRPr lang="fr-FR"/>
           </a:p>
@@ -3103,7 +3103,7 @@
 </file>
 
 <file path=ppt/slides/slide2.xml><?xml version="1.0" encoding="utf-8"?>
-<p:sld xmlns:a="http://schemas.openxmlformats.org/drawingml/2006/main" xmlns:r="http://schemas.openxmlformats.org/officeDocument/2006/relationships" xmlns:p="http://schemas.openxmlformats.org/presentationml/2006/main">
+<p:sld xmlns:a="http://schemas.openxmlformats.org/drawingml/2006/main" xmlns:r="http://schemas.openxmlformats.org/officeDocument/2006/relationships" xmlns:p="http://schemas.openxmlformats.org/presentationml/2006/main" show="0">
   <p:cSld>
     <p:spTree>
       <p:nvGrpSpPr>
@@ -3383,6 +3383,14 @@
   <p:clrMapOvr>
     <a:masterClrMapping/>
   </p:clrMapOvr>
+  <mc:AlternateContent xmlns:mc="http://schemas.openxmlformats.org/markup-compatibility/2006">
+    <mc:Choice xmlns:p14="http://schemas.microsoft.com/office/powerpoint/2010/main" Requires="p14">
+      <p:transition spd="slow" p14:dur="2000"/>
+    </mc:Choice>
+    <mc:Fallback>
+      <p:transition spd="slow"/>
+    </mc:Fallback>
+  </mc:AlternateContent>
   <p:timing>
     <p:tnLst>
       <p:par>

--- a/Leçons/diapo/LP24.pptx
+++ b/Leçons/diapo/LP24.pptx
@@ -248,7 +248,7 @@
           <a:p>
             <a:fld id="{C262451B-073C-4FAC-8D0B-6648421A7945}" type="datetimeFigureOut">
               <a:rPr lang="fr-FR" smtClean="0"/>
-              <a:t>19/05/2020</a:t>
+              <a:t>22/05/2020</a:t>
             </a:fld>
             <a:endParaRPr lang="fr-FR"/>
           </a:p>
@@ -418,7 +418,7 @@
           <a:p>
             <a:fld id="{C262451B-073C-4FAC-8D0B-6648421A7945}" type="datetimeFigureOut">
               <a:rPr lang="fr-FR" smtClean="0"/>
-              <a:t>19/05/2020</a:t>
+              <a:t>22/05/2020</a:t>
             </a:fld>
             <a:endParaRPr lang="fr-FR"/>
           </a:p>
@@ -598,7 +598,7 @@
           <a:p>
             <a:fld id="{C262451B-073C-4FAC-8D0B-6648421A7945}" type="datetimeFigureOut">
               <a:rPr lang="fr-FR" smtClean="0"/>
-              <a:t>19/05/2020</a:t>
+              <a:t>22/05/2020</a:t>
             </a:fld>
             <a:endParaRPr lang="fr-FR"/>
           </a:p>
@@ -768,7 +768,7 @@
           <a:p>
             <a:fld id="{C262451B-073C-4FAC-8D0B-6648421A7945}" type="datetimeFigureOut">
               <a:rPr lang="fr-FR" smtClean="0"/>
-              <a:t>19/05/2020</a:t>
+              <a:t>22/05/2020</a:t>
             </a:fld>
             <a:endParaRPr lang="fr-FR"/>
           </a:p>
@@ -1014,7 +1014,7 @@
           <a:p>
             <a:fld id="{C262451B-073C-4FAC-8D0B-6648421A7945}" type="datetimeFigureOut">
               <a:rPr lang="fr-FR" smtClean="0"/>
-              <a:t>19/05/2020</a:t>
+              <a:t>22/05/2020</a:t>
             </a:fld>
             <a:endParaRPr lang="fr-FR"/>
           </a:p>
@@ -1246,7 +1246,7 @@
           <a:p>
             <a:fld id="{C262451B-073C-4FAC-8D0B-6648421A7945}" type="datetimeFigureOut">
               <a:rPr lang="fr-FR" smtClean="0"/>
-              <a:t>19/05/2020</a:t>
+              <a:t>22/05/2020</a:t>
             </a:fld>
             <a:endParaRPr lang="fr-FR"/>
           </a:p>
@@ -1613,7 +1613,7 @@
           <a:p>
             <a:fld id="{C262451B-073C-4FAC-8D0B-6648421A7945}" type="datetimeFigureOut">
               <a:rPr lang="fr-FR" smtClean="0"/>
-              <a:t>19/05/2020</a:t>
+              <a:t>22/05/2020</a:t>
             </a:fld>
             <a:endParaRPr lang="fr-FR"/>
           </a:p>
@@ -1731,7 +1731,7 @@
           <a:p>
             <a:fld id="{C262451B-073C-4FAC-8D0B-6648421A7945}" type="datetimeFigureOut">
               <a:rPr lang="fr-FR" smtClean="0"/>
-              <a:t>19/05/2020</a:t>
+              <a:t>22/05/2020</a:t>
             </a:fld>
             <a:endParaRPr lang="fr-FR"/>
           </a:p>
@@ -1826,7 +1826,7 @@
           <a:p>
             <a:fld id="{C262451B-073C-4FAC-8D0B-6648421A7945}" type="datetimeFigureOut">
               <a:rPr lang="fr-FR" smtClean="0"/>
-              <a:t>19/05/2020</a:t>
+              <a:t>22/05/2020</a:t>
             </a:fld>
             <a:endParaRPr lang="fr-FR"/>
           </a:p>
@@ -2103,7 +2103,7 @@
           <a:p>
             <a:fld id="{C262451B-073C-4FAC-8D0B-6648421A7945}" type="datetimeFigureOut">
               <a:rPr lang="fr-FR" smtClean="0"/>
-              <a:t>19/05/2020</a:t>
+              <a:t>22/05/2020</a:t>
             </a:fld>
             <a:endParaRPr lang="fr-FR"/>
           </a:p>
@@ -2356,7 +2356,7 @@
           <a:p>
             <a:fld id="{C262451B-073C-4FAC-8D0B-6648421A7945}" type="datetimeFigureOut">
               <a:rPr lang="fr-FR" smtClean="0"/>
-              <a:t>19/05/2020</a:t>
+              <a:t>22/05/2020</a:t>
             </a:fld>
             <a:endParaRPr lang="fr-FR"/>
           </a:p>
@@ -2569,7 +2569,7 @@
           <a:p>
             <a:fld id="{C262451B-073C-4FAC-8D0B-6648421A7945}" type="datetimeFigureOut">
               <a:rPr lang="fr-FR" smtClean="0"/>
-              <a:t>19/05/2020</a:t>
+              <a:t>22/05/2020</a:t>
             </a:fld>
             <a:endParaRPr lang="fr-FR"/>
           </a:p>
@@ -3383,11 +3383,11 @@
   <p:clrMapOvr>
     <a:masterClrMapping/>
   </p:clrMapOvr>
-  <mc:AlternateContent xmlns:mc="http://schemas.openxmlformats.org/markup-compatibility/2006">
-    <mc:Choice xmlns:p14="http://schemas.microsoft.com/office/powerpoint/2010/main" Requires="p14">
+  <mc:AlternateContent xmlns:mc="http://schemas.openxmlformats.org/markup-compatibility/2006" xmlns:p14="http://schemas.microsoft.com/office/powerpoint/2010/main">
+    <mc:Choice Requires="p14">
       <p:transition spd="slow" p14:dur="2000"/>
     </mc:Choice>
-    <mc:Fallback>
+    <mc:Fallback xmlns="">
       <p:transition spd="slow"/>
     </mc:Fallback>
   </mc:AlternateContent>
@@ -4148,7 +4148,7 @@
         </p:blipFill>
         <p:spPr>
           <a:xfrm>
-            <a:off x="1741965" y="973675"/>
+            <a:off x="1741965" y="928410"/>
             <a:ext cx="8696680" cy="5797786"/>
           </a:xfrm>
           <a:prstGeom prst="rect">
